--- a/ppts/2-9 Structure Quiz.pptx
+++ b/ppts/2-9 Structure Quiz.pptx
@@ -429,7 +429,7 @@
           <a:p>
             <a:fld id="{A9ADF8C7-AEDF-43D6-9DAF-DECAC1AD2E30}" type="datetimeFigureOut">
               <a:rPr lang="ko-KR" altLang="en-US" smtClean="0"/>
-              <a:t>20-03-23</a:t>
+              <a:t>2020-09-25</a:t>
             </a:fld>
             <a:endParaRPr lang="ko-KR" altLang="en-US"/>
           </a:p>
@@ -813,10 +813,9 @@
           </a:lstStyle>
           <a:p>
             <a:r>
-              <a:rPr lang="ko-KR" altLang="en-US" dirty="0" smtClean="0"/>
+              <a:rPr lang="ko-KR" altLang="en-US" dirty="0"/>
               <a:t>마스터 제목 스타일 편집</a:t>
             </a:r>
-            <a:endParaRPr lang="ko-KR" altLang="en-US" dirty="0"/>
           </a:p>
         </p:txBody>
       </p:sp>
@@ -935,21 +934,16 @@
           </a:lstStyle>
           <a:p>
             <a:r>
-              <a:rPr lang="ko-KR" altLang="en-US" dirty="0" smtClean="0"/>
+              <a:rPr lang="ko-KR" altLang="en-US" dirty="0"/>
               <a:t>마스터 제목 </a:t>
             </a:r>
-            <a:r>
-              <a:rPr lang="en-US" altLang="ko-KR" dirty="0" smtClean="0"/>
-              <a:t/>
-            </a:r>
             <a:br>
-              <a:rPr lang="en-US" altLang="ko-KR" dirty="0" smtClean="0"/>
+              <a:rPr lang="en-US" altLang="ko-KR" dirty="0"/>
             </a:br>
             <a:r>
-              <a:rPr lang="ko-KR" altLang="en-US" dirty="0" smtClean="0"/>
+              <a:rPr lang="ko-KR" altLang="en-US" dirty="0"/>
               <a:t>스타일 편집</a:t>
             </a:r>
-            <a:endParaRPr lang="ko-KR" altLang="en-US" dirty="0"/>
           </a:p>
         </p:txBody>
       </p:sp>
@@ -1130,7 +1124,7 @@
               <a:t>Prof. Youngsup Kim, </a:t>
             </a:r>
             <a:r>
-              <a:rPr lang="en-US" altLang="ko-KR" sz="1600" b="0" i="1" dirty="0" smtClean="0">
+              <a:rPr lang="en-US" altLang="ko-KR" sz="1600" b="0" i="1" dirty="0">
                 <a:solidFill>
                   <a:schemeClr val="tx1"/>
                 </a:solidFill>
@@ -1140,7 +1134,7 @@
               <a:t>idebtor@gmail.com</a:t>
             </a:r>
             <a:r>
-              <a:rPr lang="en-US" altLang="ko-KR" sz="1600" b="0" i="1" dirty="0" smtClean="0">
+              <a:rPr lang="en-US" altLang="ko-KR" sz="1600" b="0" i="1" dirty="0">
                 <a:solidFill>
                   <a:schemeClr val="tx1"/>
                 </a:solidFill>
@@ -1230,13 +1224,8 @@
             <a:pPr lvl="2" eaLnBrk="1" latinLnBrk="0" hangingPunct="1"/>
             <a:r>
               <a:rPr lang="ko-KR" altLang="en-US" dirty="0"/>
-              <a:t>셋째 </a:t>
-            </a:r>
-            <a:r>
-              <a:rPr lang="ko-KR" altLang="en-US" dirty="0" smtClean="0"/>
-              <a:t>수준</a:t>
-            </a:r>
-            <a:endParaRPr lang="ko-KR" altLang="en-US" dirty="0"/>
+              <a:t>셋째 수준</a:t>
+            </a:r>
           </a:p>
         </p:txBody>
       </p:sp>
@@ -1410,7 +1399,7 @@
           </a:ln>
           <a:extLst>
             <a:ext uri="{C572A759-6A51-4108-AA02-DFA0A04FC94B}">
-              <ma14:wrappingTextBoxFlag xmlns:ma14="http://schemas.microsoft.com/office/mac/drawingml/2011/main" xmlns="" val="1"/>
+              <ma14:wrappingTextBoxFlag xmlns="" xmlns:ma14="http://schemas.microsoft.com/office/mac/drawingml/2011/main" val="1"/>
             </a:ext>
           </a:extLst>
         </p:spPr>
@@ -2986,7 +2975,7 @@
           <a:p>
             <a:fld id="{AC778754-33AA-481A-B885-58843B94B2EC}" type="datetime1">
               <a:rPr lang="ko-KR" altLang="en-US" smtClean="0"/>
-              <a:t>20-03-23</a:t>
+              <a:t>2020-09-25</a:t>
             </a:fld>
             <a:endParaRPr lang="ko-KR" altLang="en-US" dirty="0"/>
           </a:p>
@@ -3485,33 +3474,6 @@
       </p:grpSpPr>
       <p:sp>
         <p:nvSpPr>
-          <p:cNvPr id="3" name="슬라이드 번호 개체 틀 2"/>
-          <p:cNvSpPr>
-            <a:spLocks noGrp="1"/>
-          </p:cNvSpPr>
-          <p:nvPr>
-            <p:ph type="sldNum" sz="quarter" idx="12"/>
-          </p:nvPr>
-        </p:nvSpPr>
-        <p:spPr/>
-        <p:txBody>
-          <a:bodyPr/>
-          <a:lstStyle/>
-          <a:p>
-            <a:fld id="{9085FD98-BA4B-4537-9251-5519BF532862}" type="slidenum">
-              <a:rPr lang="ko-KR" altLang="en-US" smtClean="0">
-                <a:latin typeface="Consolas" panose="020B0609020204030204" pitchFamily="49" charset="0"/>
-              </a:rPr>
-              <a:t>1</a:t>
-            </a:fld>
-            <a:endParaRPr lang="ko-KR" altLang="en-US">
-              <a:latin typeface="Consolas" panose="020B0609020204030204" pitchFamily="49" charset="0"/>
-            </a:endParaRPr>
-          </a:p>
-        </p:txBody>
-      </p:sp>
-      <p:sp>
-        <p:nvSpPr>
           <p:cNvPr id="4" name="제목 3"/>
           <p:cNvSpPr>
             <a:spLocks noGrp="1"/>
@@ -3528,12 +3490,8 @@
           <a:lstStyle/>
           <a:p>
             <a:r>
-              <a:rPr lang="en-US" altLang="ko-KR" dirty="0" smtClean="0"/>
-              <a:t>02-3 Structure – </a:t>
-            </a:r>
-            <a:r>
-              <a:rPr lang="en-US" altLang="ko-KR" dirty="0" smtClean="0"/>
-              <a:t>Quiz</a:t>
+              <a:rPr lang="en-US" altLang="ko-KR" dirty="0"/>
+              <a:t>02-3 Structure – Quiz</a:t>
             </a:r>
             <a:endParaRPr lang="ko-KR" altLang="en-US" dirty="0">
               <a:latin typeface="Consolas" panose="020B0609020204030204" pitchFamily="49" charset="0"/>
@@ -3568,7 +3526,7 @@
               <a:buAutoNum type="arabicPeriod"/>
             </a:pPr>
             <a:r>
-              <a:rPr lang="en-US" altLang="ko-KR" sz="2000" dirty="0" smtClean="0">
+              <a:rPr lang="en-US" altLang="ko-KR" sz="2000" dirty="0">
                 <a:latin typeface="Century Gothic" panose="020B0502020202020204" pitchFamily="34" charset="0"/>
               </a:rPr>
               <a:t>Complete the memory diagram.</a:t>
@@ -3580,31 +3538,31 @@
               <a:buAutoNum type="arabicPeriod"/>
             </a:pPr>
             <a:r>
-              <a:rPr lang="en-US" altLang="ko-KR" sz="2000" dirty="0" smtClean="0">
+              <a:rPr lang="en-US" altLang="ko-KR" sz="2000" dirty="0">
                 <a:latin typeface="Century Gothic" panose="020B0502020202020204" pitchFamily="34" charset="0"/>
               </a:rPr>
               <a:t>Do </a:t>
             </a:r>
             <a:r>
-              <a:rPr lang="en-US" altLang="ko-KR" sz="2000" b="1" dirty="0" smtClean="0">
+              <a:rPr lang="en-US" altLang="ko-KR" sz="2000" b="1" dirty="0">
                 <a:latin typeface="Century Gothic" panose="020B0502020202020204" pitchFamily="34" charset="0"/>
               </a:rPr>
               <a:t>not</a:t>
             </a:r>
             <a:r>
-              <a:rPr lang="en-US" altLang="ko-KR" sz="2000" dirty="0" smtClean="0">
+              <a:rPr lang="en-US" altLang="ko-KR" sz="2000" dirty="0">
                 <a:latin typeface="Century Gothic" panose="020B0502020202020204" pitchFamily="34" charset="0"/>
               </a:rPr>
               <a:t> rewrite the code, but </a:t>
             </a:r>
             <a:r>
-              <a:rPr lang="en-US" altLang="ko-KR" sz="2000" b="1" dirty="0" smtClean="0">
+              <a:rPr lang="en-US" altLang="ko-KR" sz="2000" b="1" dirty="0">
                 <a:latin typeface="Century Gothic" panose="020B0502020202020204" pitchFamily="34" charset="0"/>
               </a:rPr>
               <a:t>fix</a:t>
             </a:r>
             <a:r>
-              <a:rPr lang="en-US" altLang="ko-KR" sz="2000" dirty="0" smtClean="0">
+              <a:rPr lang="en-US" altLang="ko-KR" sz="2000" dirty="0">
                 <a:latin typeface="Century Gothic" panose="020B0502020202020204" pitchFamily="34" charset="0"/>
               </a:rPr>
               <a:t> errors minimally in main().</a:t>
@@ -3616,12 +3574,30 @@
               <a:buAutoNum type="arabicPeriod"/>
             </a:pPr>
             <a:r>
-              <a:rPr lang="en-US" altLang="ko-KR" sz="2000" dirty="0" smtClean="0">
+              <a:rPr lang="en-US" altLang="ko-KR" sz="2000" dirty="0">
                 <a:latin typeface="Century Gothic" panose="020B0502020202020204" pitchFamily="34" charset="0"/>
               </a:rPr>
-              <a:t>What is the output of the code?</a:t>
+              <a:t>What is the output of the </a:t>
+            </a:r>
+            <a:r>
+              <a:rPr lang="en-US" altLang="ko-KR" sz="2000">
+                <a:latin typeface="Century Gothic" panose="020B0502020202020204" pitchFamily="34" charset="0"/>
+              </a:rPr>
+              <a:t>code? </a:t>
+            </a:r>
+            <a:r>
+              <a:rPr lang="en-US" altLang="ko-KR" sz="2000">
+                <a:solidFill>
+                  <a:srgbClr val="FF0000"/>
+                </a:solidFill>
+                <a:latin typeface="Century Gothic" panose="020B0502020202020204" pitchFamily="34" charset="0"/>
+              </a:rPr>
+              <a:t>hat</a:t>
             </a:r>
             <a:endParaRPr lang="ko-KR" altLang="en-US" sz="2000" dirty="0">
+              <a:solidFill>
+                <a:srgbClr val="FF0000"/>
+              </a:solidFill>
               <a:latin typeface="Century Gothic" panose="020B0502020202020204" pitchFamily="34" charset="0"/>
             </a:endParaRPr>
           </a:p>
@@ -3937,42 +3913,51 @@
                 <a:latin typeface="Consolas" panose="020B0609020204030204" pitchFamily="49" charset="0"/>
                 <a:cs typeface="Courier New" panose="02070309020205020404" pitchFamily="49" charset="0"/>
               </a:rPr>
-              <a:t> = </a:t>
-            </a:r>
-            <a:r>
-              <a:rPr lang="en-US" altLang="ko-KR" sz="1800" dirty="0" smtClean="0">
+              <a:t> </a:t>
+            </a:r>
+            <a:r>
+              <a:rPr lang="en-US" altLang="ko-KR" sz="1800">
                 <a:latin typeface="Consolas" panose="020B0609020204030204" pitchFamily="49" charset="0"/>
                 <a:cs typeface="Courier New" panose="02070309020205020404" pitchFamily="49" charset="0"/>
               </a:rPr>
-              <a:t>{"25, cat"};   </a:t>
-            </a:r>
-            <a:endParaRPr lang="en-US" altLang="ko-KR" sz="1800" dirty="0">
-              <a:latin typeface="Consolas" panose="020B0609020204030204" pitchFamily="49" charset="0"/>
-              <a:cs typeface="Courier New" panose="02070309020205020404" pitchFamily="49" charset="0"/>
-            </a:endParaRPr>
-          </a:p>
-          <a:p>
-            <a:pPr marL="0" indent="0">
-              <a:buNone/>
-            </a:pPr>
+              <a:t>= {25, </a:t>
+            </a:r>
+            <a:r>
+              <a:rPr lang="en-US" altLang="ko-KR" sz="1800">
+                <a:solidFill>
+                  <a:srgbClr val="FF0000"/>
+                </a:solidFill>
+                <a:latin typeface="Consolas" panose="020B0609020204030204" pitchFamily="49" charset="0"/>
+                <a:cs typeface="Courier New" panose="02070309020205020404" pitchFamily="49" charset="0"/>
+              </a:rPr>
+              <a:t>"</a:t>
+            </a:r>
+            <a:r>
+              <a:rPr lang="en-US" altLang="ko-KR" sz="1800">
+                <a:latin typeface="Consolas" panose="020B0609020204030204" pitchFamily="49" charset="0"/>
+                <a:cs typeface="Courier New" panose="02070309020205020404" pitchFamily="49" charset="0"/>
+              </a:rPr>
+              <a:t>cat</a:t>
+            </a:r>
             <a:r>
               <a:rPr lang="en-US" altLang="ko-KR" sz="1800" dirty="0">
                 <a:latin typeface="Consolas" panose="020B0609020204030204" pitchFamily="49" charset="0"/>
                 <a:cs typeface="Courier New" panose="02070309020205020404" pitchFamily="49" charset="0"/>
               </a:rPr>
-              <a:t>  Car* my = new Car </a:t>
-            </a:r>
-            <a:r>
-              <a:rPr lang="en-US" altLang="ko-KR" sz="1800" dirty="0" smtClean="0">
+              <a:t>"};   </a:t>
+            </a:r>
+          </a:p>
+          <a:p>
+            <a:pPr marL="0" indent="0">
+              <a:buNone/>
+            </a:pPr>
+            <a:r>
+              <a:rPr lang="en-US" altLang="ko-KR" sz="1800" dirty="0">
                 <a:latin typeface="Consolas" panose="020B0609020204030204" pitchFamily="49" charset="0"/>
                 <a:cs typeface="Courier New" panose="02070309020205020404" pitchFamily="49" charset="0"/>
               </a:rPr>
-              <a:t>{20, "sky"};</a:t>
-            </a:r>
-            <a:endParaRPr lang="en-US" altLang="ko-KR" sz="1800" dirty="0">
-              <a:latin typeface="Consolas" panose="020B0609020204030204" pitchFamily="49" charset="0"/>
-              <a:cs typeface="Courier New" panose="02070309020205020404" pitchFamily="49" charset="0"/>
-            </a:endParaRPr>
+              <a:t>  Car* my = new Car {20, "sky"};</a:t>
+            </a:r>
           </a:p>
           <a:p>
             <a:pPr marL="0" indent="0">
@@ -4035,21 +4020,38 @@
                 <a:latin typeface="Consolas" panose="020B0609020204030204" pitchFamily="49" charset="0"/>
                 <a:cs typeface="Courier New" panose="02070309020205020404" pitchFamily="49" charset="0"/>
               </a:rPr>
-              <a:t>  cout &lt;&lt; </a:t>
-            </a:r>
-            <a:r>
-              <a:rPr lang="en-US" altLang="ko-KR" sz="1800" dirty="0" err="1">
+              <a:t>  cout </a:t>
+            </a:r>
+            <a:r>
+              <a:rPr lang="en-US" altLang="ko-KR" sz="1800">
                 <a:latin typeface="Consolas" panose="020B0609020204030204" pitchFamily="49" charset="0"/>
                 <a:cs typeface="Courier New" panose="02070309020205020404" pitchFamily="49" charset="0"/>
               </a:rPr>
-              <a:t>we.tag</a:t>
+              <a:t>&lt;&lt; we</a:t>
+            </a:r>
+            <a:r>
+              <a:rPr lang="en-US" altLang="ko-KR" sz="1800">
+                <a:solidFill>
+                  <a:srgbClr val="FF0000"/>
+                </a:solidFill>
+                <a:latin typeface="Consolas" panose="020B0609020204030204" pitchFamily="49" charset="0"/>
+                <a:cs typeface="Courier New" panose="02070309020205020404" pitchFamily="49" charset="0"/>
+              </a:rPr>
+              <a:t>-&gt;</a:t>
+            </a:r>
+            <a:r>
+              <a:rPr lang="en-US" altLang="ko-KR" sz="1800">
+                <a:latin typeface="Consolas" panose="020B0609020204030204" pitchFamily="49" charset="0"/>
+                <a:cs typeface="Courier New" panose="02070309020205020404" pitchFamily="49" charset="0"/>
+              </a:rPr>
+              <a:t>tag </a:t>
             </a:r>
             <a:r>
               <a:rPr lang="en-US" altLang="ko-KR" sz="1800" dirty="0">
                 <a:latin typeface="Consolas" panose="020B0609020204030204" pitchFamily="49" charset="0"/>
                 <a:cs typeface="Courier New" panose="02070309020205020404" pitchFamily="49" charset="0"/>
               </a:rPr>
-              <a:t> &lt;&lt; endl;</a:t>
+              <a:t>&lt;&lt; endl;</a:t>
             </a:r>
           </a:p>
           <a:p>
@@ -4061,14 +4063,14 @@
                 <a:latin typeface="Consolas" panose="020B0609020204030204" pitchFamily="49" charset="0"/>
                 <a:cs typeface="Courier New" panose="02070309020205020404" pitchFamily="49" charset="0"/>
               </a:rPr>
-              <a:t>  delete my</a:t>
-            </a:r>
-            <a:r>
-              <a:rPr lang="en-US" altLang="ko-KR" sz="1800" dirty="0" smtClean="0">
+              <a:t>  delete </a:t>
+            </a:r>
+            <a:r>
+              <a:rPr lang="en-US" altLang="ko-KR" sz="1800">
                 <a:latin typeface="Consolas" panose="020B0609020204030204" pitchFamily="49" charset="0"/>
                 <a:cs typeface="Courier New" panose="02070309020205020404" pitchFamily="49" charset="0"/>
               </a:rPr>
-              <a:t>;</a:t>
+              <a:t>my;</a:t>
             </a:r>
           </a:p>
           <a:p>
@@ -4076,35 +4078,38 @@
               <a:buNone/>
             </a:pPr>
             <a:r>
-              <a:rPr lang="en-US" altLang="ko-KR" sz="1800" dirty="0">
+              <a:rPr lang="en-US" altLang="ko-KR" sz="1800">
                 <a:latin typeface="Consolas" panose="020B0609020204030204" pitchFamily="49" charset="0"/>
                 <a:cs typeface="Courier New" panose="02070309020205020404" pitchFamily="49" charset="0"/>
               </a:rPr>
-              <a:t> </a:t>
-            </a:r>
-            <a:r>
-              <a:rPr lang="en-US" altLang="ko-KR" sz="1800" dirty="0" smtClean="0">
+              <a:t>  </a:t>
+            </a:r>
+            <a:r>
+              <a:rPr lang="en-US" altLang="ko-KR" sz="1800" strike="sngStrike">
+                <a:solidFill>
+                  <a:srgbClr val="FF0000"/>
+                </a:solidFill>
                 <a:latin typeface="Consolas" panose="020B0609020204030204" pitchFamily="49" charset="0"/>
                 <a:cs typeface="Courier New" panose="02070309020205020404" pitchFamily="49" charset="0"/>
               </a:rPr>
-              <a:t> delete we;</a:t>
+              <a:t>delete we;</a:t>
+            </a:r>
+          </a:p>
+          <a:p>
+            <a:pPr marL="0" indent="0">
+              <a:buNone/>
+            </a:pPr>
+            <a:r>
+              <a:rPr lang="en-US" altLang="ko-KR" sz="1800">
+                <a:latin typeface="Consolas" panose="020B0609020204030204" pitchFamily="49" charset="0"/>
+                <a:cs typeface="Courier New" panose="02070309020205020404" pitchFamily="49" charset="0"/>
+              </a:rPr>
+              <a:t>}</a:t>
             </a:r>
             <a:endParaRPr lang="en-US" altLang="ko-KR" sz="1800" dirty="0">
               <a:latin typeface="Consolas" panose="020B0609020204030204" pitchFamily="49" charset="0"/>
               <a:cs typeface="Courier New" panose="02070309020205020404" pitchFamily="49" charset="0"/>
             </a:endParaRPr>
-          </a:p>
-          <a:p>
-            <a:pPr marL="0" indent="0">
-              <a:buNone/>
-            </a:pPr>
-            <a:r>
-              <a:rPr lang="en-US" altLang="ko-KR" sz="1800" dirty="0">
-                <a:latin typeface="Consolas" panose="020B0609020204030204" pitchFamily="49" charset="0"/>
-                <a:cs typeface="Courier New" panose="02070309020205020404" pitchFamily="49" charset="0"/>
-              </a:rPr>
-              <a:t>}</a:t>
-            </a:r>
           </a:p>
         </p:txBody>
       </p:sp>
@@ -4122,7 +4127,7 @@
         </p:nvGrpSpPr>
         <p:grpSpPr>
           <a:xfrm>
-            <a:off x="10588944" y="2792140"/>
+            <a:off x="10655619" y="2230165"/>
             <a:ext cx="1224136" cy="801379"/>
             <a:chOff x="7544874" y="2502297"/>
             <a:chExt cx="1224136" cy="801379"/>
@@ -4183,7 +4188,25 @@
                   </a:solidFill>
                   <a:latin typeface="Consolas" panose="020B0609020204030204" pitchFamily="49" charset="0"/>
                 </a:rPr>
-                <a:t>hat, 25</a:t>
+                <a:t>c</a:t>
+              </a:r>
+              <a:r>
+                <a:rPr lang="en-US" altLang="ko-KR">
+                  <a:solidFill>
+                    <a:schemeClr val="tx1"/>
+                  </a:solidFill>
+                  <a:latin typeface="Consolas" panose="020B0609020204030204" pitchFamily="49" charset="0"/>
+                </a:rPr>
+                <a:t>at</a:t>
+              </a:r>
+              <a:r>
+                <a:rPr lang="en-US" altLang="ko-KR" dirty="0">
+                  <a:solidFill>
+                    <a:schemeClr val="tx1"/>
+                  </a:solidFill>
+                  <a:latin typeface="Consolas" panose="020B0609020204030204" pitchFamily="49" charset="0"/>
+                </a:rPr>
+                <a:t>, 25</a:t>
               </a:r>
               <a:endParaRPr lang="ko-KR" altLang="en-US" dirty="0">
                 <a:solidFill>
@@ -4256,7 +4279,7 @@
         </p:nvSpPr>
         <p:spPr>
           <a:xfrm>
-            <a:off x="9256034" y="4199384"/>
+            <a:off x="9322709" y="3637409"/>
             <a:ext cx="670999" cy="432047"/>
           </a:xfrm>
           <a:prstGeom prst="rect">
@@ -4294,6 +4317,15 @@
           <a:lstStyle/>
           <a:p>
             <a:pPr algn="ctr"/>
+            <a:r>
+              <a:rPr lang="en-US" altLang="ko-KR">
+                <a:solidFill>
+                  <a:schemeClr val="tx1"/>
+                </a:solidFill>
+                <a:latin typeface="Consolas" panose="020B0609020204030204" pitchFamily="49" charset="0"/>
+              </a:rPr>
+              <a:t>B3</a:t>
+            </a:r>
             <a:endParaRPr lang="ko-KR" altLang="en-US" dirty="0">
               <a:solidFill>
                 <a:schemeClr val="tx1"/>
@@ -4317,7 +4349,7 @@
         </p:nvSpPr>
         <p:spPr>
           <a:xfrm>
-            <a:off x="9256034" y="3822034"/>
+            <a:off x="9322709" y="3260059"/>
             <a:ext cx="453970" cy="384721"/>
           </a:xfrm>
           <a:prstGeom prst="rect">
@@ -4357,7 +4389,7 @@
         </p:nvGrpSpPr>
         <p:grpSpPr>
           <a:xfrm>
-            <a:off x="10644228" y="3822034"/>
+            <a:off x="10710903" y="3260059"/>
             <a:ext cx="1168852" cy="809397"/>
             <a:chOff x="7600158" y="2494279"/>
             <a:chExt cx="1168852" cy="809397"/>
@@ -4484,7 +4516,7 @@
         </p:nvSpPr>
         <p:spPr>
           <a:xfrm>
-            <a:off x="9256034" y="5248321"/>
+            <a:off x="9460807" y="6438675"/>
             <a:ext cx="670999" cy="432047"/>
           </a:xfrm>
           <a:prstGeom prst="rect">
@@ -4522,6 +4554,15 @@
           <a:lstStyle/>
           <a:p>
             <a:pPr algn="ctr"/>
+            <a:r>
+              <a:rPr lang="en-US" altLang="ko-KR">
+                <a:solidFill>
+                  <a:schemeClr val="tx1"/>
+                </a:solidFill>
+                <a:latin typeface="Consolas" panose="020B0609020204030204" pitchFamily="49" charset="0"/>
+              </a:rPr>
+              <a:t>F5</a:t>
+            </a:r>
             <a:endParaRPr lang="ko-KR" altLang="en-US" dirty="0">
               <a:solidFill>
                 <a:schemeClr val="tx1"/>
@@ -4545,7 +4586,7 @@
         </p:nvSpPr>
         <p:spPr>
           <a:xfrm>
-            <a:off x="9256034" y="4870971"/>
+            <a:off x="9460807" y="6061325"/>
             <a:ext cx="453970" cy="384721"/>
           </a:xfrm>
           <a:prstGeom prst="rect">
@@ -4571,6 +4612,1007 @@
           </a:p>
         </p:txBody>
       </p:sp>
+      <p:cxnSp>
+        <p:nvCxnSpPr>
+          <p:cNvPr id="7" name="직선 화살표 연결선 6">
+            <a:extLst>
+              <a:ext uri="{FF2B5EF4-FFF2-40B4-BE49-F238E27FC236}">
+                <a16:creationId xmlns:a16="http://schemas.microsoft.com/office/drawing/2014/main" id="{BB27B07E-AE29-428C-B477-F9F6C0A1E83F}"/>
+              </a:ext>
+            </a:extLst>
+          </p:cNvPr>
+          <p:cNvCxnSpPr>
+            <a:stCxn id="13" idx="3"/>
+            <a:endCxn id="17" idx="1"/>
+          </p:cNvCxnSpPr>
+          <p:nvPr/>
+        </p:nvCxnSpPr>
+        <p:spPr>
+          <a:xfrm>
+            <a:off x="9993708" y="3853433"/>
+            <a:ext cx="717195" cy="0"/>
+          </a:xfrm>
+          <a:prstGeom prst="straightConnector1">
+            <a:avLst/>
+          </a:prstGeom>
+          <a:ln>
+            <a:tailEnd type="triangle"/>
+          </a:ln>
+        </p:spPr>
+        <p:style>
+          <a:lnRef idx="1">
+            <a:schemeClr val="accent1"/>
+          </a:lnRef>
+          <a:fillRef idx="0">
+            <a:schemeClr val="accent1"/>
+          </a:fillRef>
+          <a:effectRef idx="0">
+            <a:schemeClr val="accent1"/>
+          </a:effectRef>
+          <a:fontRef idx="minor">
+            <a:schemeClr val="tx1"/>
+          </a:fontRef>
+        </p:style>
+      </p:cxnSp>
+      <p:cxnSp>
+        <p:nvCxnSpPr>
+          <p:cNvPr id="12" name="직선 화살표 연결선 11">
+            <a:extLst>
+              <a:ext uri="{FF2B5EF4-FFF2-40B4-BE49-F238E27FC236}">
+                <a16:creationId xmlns:a16="http://schemas.microsoft.com/office/drawing/2014/main" id="{48629B59-7F6D-4A8F-A687-3D514AA45408}"/>
+              </a:ext>
+            </a:extLst>
+          </p:cNvPr>
+          <p:cNvCxnSpPr>
+            <a:cxnSpLocks/>
+            <a:stCxn id="20" idx="3"/>
+          </p:cNvCxnSpPr>
+          <p:nvPr/>
+        </p:nvCxnSpPr>
+        <p:spPr>
+          <a:xfrm flipV="1">
+            <a:off x="10131806" y="4729543"/>
+            <a:ext cx="702922" cy="1925156"/>
+          </a:xfrm>
+          <a:prstGeom prst="straightConnector1">
+            <a:avLst/>
+          </a:prstGeom>
+          <a:ln>
+            <a:tailEnd type="triangle"/>
+          </a:ln>
+        </p:spPr>
+        <p:style>
+          <a:lnRef idx="1">
+            <a:schemeClr val="accent1"/>
+          </a:lnRef>
+          <a:fillRef idx="0">
+            <a:schemeClr val="accent1"/>
+          </a:fillRef>
+          <a:effectRef idx="0">
+            <a:schemeClr val="accent1"/>
+          </a:effectRef>
+          <a:fontRef idx="minor">
+            <a:schemeClr val="tx1"/>
+          </a:fontRef>
+        </p:style>
+      </p:cxnSp>
+      <p:sp>
+        <p:nvSpPr>
+          <p:cNvPr id="16" name="화살표: 위쪽 15">
+            <a:extLst>
+              <a:ext uri="{FF2B5EF4-FFF2-40B4-BE49-F238E27FC236}">
+                <a16:creationId xmlns:a16="http://schemas.microsoft.com/office/drawing/2014/main" id="{6AC9ACDE-B491-4BE6-B2AC-BAB215EFD699}"/>
+              </a:ext>
+            </a:extLst>
+          </p:cNvPr>
+          <p:cNvSpPr/>
+          <p:nvPr/>
+        </p:nvSpPr>
+        <p:spPr>
+          <a:xfrm rot="8355911">
+            <a:off x="11145470" y="4577369"/>
+            <a:ext cx="70556" cy="618022"/>
+          </a:xfrm>
+          <a:prstGeom prst="upArrow">
+            <a:avLst/>
+          </a:prstGeom>
+          <a:solidFill>
+            <a:srgbClr val="FF0000"/>
+          </a:solidFill>
+          <a:ln>
+            <a:solidFill>
+              <a:srgbClr val="FF0000"/>
+            </a:solidFill>
+          </a:ln>
+        </p:spPr>
+        <p:style>
+          <a:lnRef idx="2">
+            <a:schemeClr val="accent1">
+              <a:shade val="50000"/>
+            </a:schemeClr>
+          </a:lnRef>
+          <a:fillRef idx="1">
+            <a:schemeClr val="accent1"/>
+          </a:fillRef>
+          <a:effectRef idx="0">
+            <a:schemeClr val="accent1"/>
+          </a:effectRef>
+          <a:fontRef idx="minor">
+            <a:schemeClr val="lt1"/>
+          </a:fontRef>
+        </p:style>
+        <p:txBody>
+          <a:bodyPr rtlCol="0" anchor="ctr"/>
+          <a:lstStyle/>
+          <a:p>
+            <a:pPr algn="ctr"/>
+            <a:endParaRPr lang="ko-KR" altLang="en-US"/>
+          </a:p>
+        </p:txBody>
+      </p:sp>
+      <p:sp>
+        <p:nvSpPr>
+          <p:cNvPr id="23" name="직사각형 22">
+            <a:extLst>
+              <a:ext uri="{FF2B5EF4-FFF2-40B4-BE49-F238E27FC236}">
+                <a16:creationId xmlns:a16="http://schemas.microsoft.com/office/drawing/2014/main" id="{A9DC985E-249F-4ED8-9C17-FE411881C5F8}"/>
+              </a:ext>
+            </a:extLst>
+          </p:cNvPr>
+          <p:cNvSpPr/>
+          <p:nvPr/>
+        </p:nvSpPr>
+        <p:spPr>
+          <a:xfrm>
+            <a:off x="11051757" y="5031709"/>
+            <a:ext cx="1168852" cy="432047"/>
+          </a:xfrm>
+          <a:prstGeom prst="rect">
+            <a:avLst/>
+          </a:prstGeom>
+          <a:noFill/>
+          <a:ln w="3175">
+            <a:noFill/>
+          </a:ln>
+        </p:spPr>
+        <p:style>
+          <a:lnRef idx="2">
+            <a:schemeClr val="accent1">
+              <a:shade val="50000"/>
+            </a:schemeClr>
+          </a:lnRef>
+          <a:fillRef idx="1">
+            <a:schemeClr val="accent1"/>
+          </a:fillRef>
+          <a:effectRef idx="0">
+            <a:schemeClr val="accent1"/>
+          </a:effectRef>
+          <a:fontRef idx="minor">
+            <a:schemeClr val="lt1"/>
+          </a:fontRef>
+        </p:style>
+        <p:txBody>
+          <a:bodyPr rtlCol="0" anchor="ctr"/>
+          <a:lstStyle/>
+          <a:p>
+            <a:pPr algn="ctr"/>
+            <a:r>
+              <a:rPr lang="en-US" altLang="ko-KR">
+                <a:solidFill>
+                  <a:schemeClr val="tx1"/>
+                </a:solidFill>
+                <a:latin typeface="Consolas" panose="020B0609020204030204" pitchFamily="49" charset="0"/>
+              </a:rPr>
+              <a:t>hat</a:t>
+            </a:r>
+            <a:endParaRPr lang="ko-KR" altLang="en-US" dirty="0">
+              <a:solidFill>
+                <a:schemeClr val="tx1"/>
+              </a:solidFill>
+              <a:latin typeface="Consolas" panose="020B0609020204030204" pitchFamily="49" charset="0"/>
+            </a:endParaRPr>
+          </a:p>
+        </p:txBody>
+      </p:sp>
+      <p:grpSp>
+        <p:nvGrpSpPr>
+          <p:cNvPr id="24" name="그룹 23">
+            <a:extLst>
+              <a:ext uri="{FF2B5EF4-FFF2-40B4-BE49-F238E27FC236}">
+                <a16:creationId xmlns:a16="http://schemas.microsoft.com/office/drawing/2014/main" id="{F45FD4C8-B242-4082-BA51-D55AC39AE81D}"/>
+              </a:ext>
+            </a:extLst>
+          </p:cNvPr>
+          <p:cNvGrpSpPr/>
+          <p:nvPr/>
+        </p:nvGrpSpPr>
+        <p:grpSpPr>
+          <a:xfrm>
+            <a:off x="10596603" y="1183942"/>
+            <a:ext cx="1224136" cy="801379"/>
+            <a:chOff x="7544874" y="2502297"/>
+            <a:chExt cx="1224136" cy="801379"/>
+          </a:xfrm>
+        </p:grpSpPr>
+        <p:sp>
+          <p:nvSpPr>
+            <p:cNvPr id="25" name="직사각형 24">
+              <a:extLst>
+                <a:ext uri="{FF2B5EF4-FFF2-40B4-BE49-F238E27FC236}">
+                  <a16:creationId xmlns:a16="http://schemas.microsoft.com/office/drawing/2014/main" id="{131505E5-1454-4284-B31A-5C52CF40226B}"/>
+                </a:ext>
+              </a:extLst>
+            </p:cNvPr>
+            <p:cNvSpPr/>
+            <p:nvPr/>
+          </p:nvSpPr>
+          <p:spPr>
+            <a:xfrm>
+              <a:off x="7600158" y="2871629"/>
+              <a:ext cx="1168852" cy="432047"/>
+            </a:xfrm>
+            <a:prstGeom prst="rect">
+              <a:avLst/>
+            </a:prstGeom>
+            <a:noFill/>
+            <a:ln w="3175">
+              <a:solidFill>
+                <a:schemeClr val="tx1"/>
+              </a:solidFill>
+            </a:ln>
+          </p:spPr>
+          <p:style>
+            <a:lnRef idx="2">
+              <a:schemeClr val="accent1">
+                <a:shade val="50000"/>
+              </a:schemeClr>
+            </a:lnRef>
+            <a:fillRef idx="1">
+              <a:schemeClr val="accent1"/>
+            </a:fillRef>
+            <a:effectRef idx="0">
+              <a:schemeClr val="accent1"/>
+            </a:effectRef>
+            <a:fontRef idx="minor">
+              <a:schemeClr val="lt1"/>
+            </a:fontRef>
+          </p:style>
+          <p:txBody>
+            <a:bodyPr rtlCol="0" anchor="ctr"/>
+            <a:lstStyle/>
+            <a:p>
+              <a:pPr algn="ctr"/>
+              <a:r>
+                <a:rPr lang="en-US" altLang="ko-KR" dirty="0">
+                  <a:solidFill>
+                    <a:schemeClr val="tx1"/>
+                  </a:solidFill>
+                  <a:latin typeface="Consolas" panose="020B0609020204030204" pitchFamily="49" charset="0"/>
+                </a:rPr>
+                <a:t>c</a:t>
+              </a:r>
+              <a:r>
+                <a:rPr lang="en-US" altLang="ko-KR">
+                  <a:solidFill>
+                    <a:schemeClr val="tx1"/>
+                  </a:solidFill>
+                  <a:latin typeface="Consolas" panose="020B0609020204030204" pitchFamily="49" charset="0"/>
+                </a:rPr>
+                <a:t>at</a:t>
+              </a:r>
+              <a:r>
+                <a:rPr lang="en-US" altLang="ko-KR" dirty="0">
+                  <a:solidFill>
+                    <a:schemeClr val="tx1"/>
+                  </a:solidFill>
+                  <a:latin typeface="Consolas" panose="020B0609020204030204" pitchFamily="49" charset="0"/>
+                </a:rPr>
+                <a:t>, 25</a:t>
+              </a:r>
+              <a:endParaRPr lang="ko-KR" altLang="en-US" dirty="0">
+                <a:solidFill>
+                  <a:schemeClr val="tx1"/>
+                </a:solidFill>
+                <a:latin typeface="Consolas" panose="020B0609020204030204" pitchFamily="49" charset="0"/>
+              </a:endParaRPr>
+            </a:p>
+          </p:txBody>
+        </p:sp>
+        <p:sp>
+          <p:nvSpPr>
+            <p:cNvPr id="26" name="직사각형 25">
+              <a:extLst>
+                <a:ext uri="{FF2B5EF4-FFF2-40B4-BE49-F238E27FC236}">
+                  <a16:creationId xmlns:a16="http://schemas.microsoft.com/office/drawing/2014/main" id="{8CA9A2E4-39A6-4545-A362-28D33F611248}"/>
+                </a:ext>
+              </a:extLst>
+            </p:cNvPr>
+            <p:cNvSpPr/>
+            <p:nvPr/>
+          </p:nvSpPr>
+          <p:spPr>
+            <a:xfrm>
+              <a:off x="7544874" y="2502297"/>
+              <a:ext cx="857927" cy="384721"/>
+            </a:xfrm>
+            <a:prstGeom prst="rect">
+              <a:avLst/>
+            </a:prstGeom>
+          </p:spPr>
+          <p:txBody>
+            <a:bodyPr wrap="none">
+              <a:spAutoFit/>
+            </a:bodyPr>
+            <a:lstStyle/>
+            <a:p>
+              <a:r>
+                <a:rPr lang="en-US" altLang="ko-KR" dirty="0" err="1">
+                  <a:latin typeface="Consolas" panose="020B0609020204030204" pitchFamily="49" charset="0"/>
+                  <a:cs typeface="Courier New" panose="02070309020205020404" pitchFamily="49" charset="0"/>
+                </a:rPr>
+                <a:t>ur</a:t>
+              </a:r>
+              <a:r>
+                <a:rPr lang="en-US" altLang="ko-KR" dirty="0">
+                  <a:latin typeface="Consolas" panose="020B0609020204030204" pitchFamily="49" charset="0"/>
+                  <a:cs typeface="Courier New" panose="02070309020205020404" pitchFamily="49" charset="0"/>
+                </a:rPr>
+                <a:t>/F5</a:t>
+              </a:r>
+              <a:endParaRPr lang="ko-KR" altLang="en-US" dirty="0">
+                <a:latin typeface="Consolas" panose="020B0609020204030204" pitchFamily="49" charset="0"/>
+              </a:endParaRPr>
+            </a:p>
+          </p:txBody>
+        </p:sp>
+      </p:grpSp>
+      <p:cxnSp>
+        <p:nvCxnSpPr>
+          <p:cNvPr id="28" name="직선 연결선 27">
+            <a:extLst>
+              <a:ext uri="{FF2B5EF4-FFF2-40B4-BE49-F238E27FC236}">
+                <a16:creationId xmlns:a16="http://schemas.microsoft.com/office/drawing/2014/main" id="{C58A4886-D298-495D-8C94-CBD62F235F59}"/>
+              </a:ext>
+            </a:extLst>
+          </p:cNvPr>
+          <p:cNvCxnSpPr/>
+          <p:nvPr/>
+        </p:nvCxnSpPr>
+        <p:spPr>
+          <a:xfrm>
+            <a:off x="8924925" y="2152650"/>
+            <a:ext cx="3514090" cy="0"/>
+          </a:xfrm>
+          <a:prstGeom prst="line">
+            <a:avLst/>
+          </a:prstGeom>
+        </p:spPr>
+        <p:style>
+          <a:lnRef idx="3">
+            <a:schemeClr val="accent1"/>
+          </a:lnRef>
+          <a:fillRef idx="0">
+            <a:schemeClr val="accent1"/>
+          </a:fillRef>
+          <a:effectRef idx="2">
+            <a:schemeClr val="accent1"/>
+          </a:effectRef>
+          <a:fontRef idx="minor">
+            <a:schemeClr val="tx1"/>
+          </a:fontRef>
+        </p:style>
+      </p:cxnSp>
+      <p:cxnSp>
+        <p:nvCxnSpPr>
+          <p:cNvPr id="29" name="직선 연결선 28">
+            <a:extLst>
+              <a:ext uri="{FF2B5EF4-FFF2-40B4-BE49-F238E27FC236}">
+                <a16:creationId xmlns:a16="http://schemas.microsoft.com/office/drawing/2014/main" id="{B588F577-DE4B-4F85-91D5-C87CC4C7ADA1}"/>
+              </a:ext>
+            </a:extLst>
+          </p:cNvPr>
+          <p:cNvCxnSpPr/>
+          <p:nvPr/>
+        </p:nvCxnSpPr>
+        <p:spPr>
+          <a:xfrm>
+            <a:off x="8924925" y="4219575"/>
+            <a:ext cx="3514090" cy="0"/>
+          </a:xfrm>
+          <a:prstGeom prst="line">
+            <a:avLst/>
+          </a:prstGeom>
+        </p:spPr>
+        <p:style>
+          <a:lnRef idx="3">
+            <a:schemeClr val="accent4"/>
+          </a:lnRef>
+          <a:fillRef idx="0">
+            <a:schemeClr val="accent4"/>
+          </a:fillRef>
+          <a:effectRef idx="2">
+            <a:schemeClr val="accent4"/>
+          </a:effectRef>
+          <a:fontRef idx="minor">
+            <a:schemeClr val="tx1"/>
+          </a:fontRef>
+        </p:style>
+      </p:cxnSp>
+      <p:grpSp>
+        <p:nvGrpSpPr>
+          <p:cNvPr id="30" name="그룹 29">
+            <a:extLst>
+              <a:ext uri="{FF2B5EF4-FFF2-40B4-BE49-F238E27FC236}">
+                <a16:creationId xmlns:a16="http://schemas.microsoft.com/office/drawing/2014/main" id="{BDD9E7DB-1B81-4718-A97B-B50A09C7C527}"/>
+              </a:ext>
+            </a:extLst>
+          </p:cNvPr>
+          <p:cNvGrpSpPr/>
+          <p:nvPr/>
+        </p:nvGrpSpPr>
+        <p:grpSpPr>
+          <a:xfrm>
+            <a:off x="10779444" y="4201840"/>
+            <a:ext cx="1224136" cy="801379"/>
+            <a:chOff x="7544874" y="2502297"/>
+            <a:chExt cx="1224136" cy="801379"/>
+          </a:xfrm>
+        </p:grpSpPr>
+        <p:sp>
+          <p:nvSpPr>
+            <p:cNvPr id="31" name="직사각형 30">
+              <a:extLst>
+                <a:ext uri="{FF2B5EF4-FFF2-40B4-BE49-F238E27FC236}">
+                  <a16:creationId xmlns:a16="http://schemas.microsoft.com/office/drawing/2014/main" id="{2D7A61FC-A53E-46BD-A535-A942C679B45C}"/>
+                </a:ext>
+              </a:extLst>
+            </p:cNvPr>
+            <p:cNvSpPr/>
+            <p:nvPr/>
+          </p:nvSpPr>
+          <p:spPr>
+            <a:xfrm>
+              <a:off x="7600158" y="2871629"/>
+              <a:ext cx="1168852" cy="432047"/>
+            </a:xfrm>
+            <a:prstGeom prst="rect">
+              <a:avLst/>
+            </a:prstGeom>
+            <a:noFill/>
+            <a:ln w="3175">
+              <a:solidFill>
+                <a:schemeClr val="tx1"/>
+              </a:solidFill>
+            </a:ln>
+          </p:spPr>
+          <p:style>
+            <a:lnRef idx="2">
+              <a:schemeClr val="accent1">
+                <a:shade val="50000"/>
+              </a:schemeClr>
+            </a:lnRef>
+            <a:fillRef idx="1">
+              <a:schemeClr val="accent1"/>
+            </a:fillRef>
+            <a:effectRef idx="0">
+              <a:schemeClr val="accent1"/>
+            </a:effectRef>
+            <a:fontRef idx="minor">
+              <a:schemeClr val="lt1"/>
+            </a:fontRef>
+          </p:style>
+          <p:txBody>
+            <a:bodyPr rtlCol="0" anchor="ctr"/>
+            <a:lstStyle/>
+            <a:p>
+              <a:pPr algn="ctr"/>
+              <a:r>
+                <a:rPr lang="en-US" altLang="ko-KR" dirty="0">
+                  <a:solidFill>
+                    <a:schemeClr val="tx1"/>
+                  </a:solidFill>
+                  <a:latin typeface="Consolas" panose="020B0609020204030204" pitchFamily="49" charset="0"/>
+                </a:rPr>
+                <a:t>c</a:t>
+              </a:r>
+              <a:r>
+                <a:rPr lang="en-US" altLang="ko-KR">
+                  <a:solidFill>
+                    <a:schemeClr val="tx1"/>
+                  </a:solidFill>
+                  <a:latin typeface="Consolas" panose="020B0609020204030204" pitchFamily="49" charset="0"/>
+                </a:rPr>
+                <a:t>at</a:t>
+              </a:r>
+              <a:r>
+                <a:rPr lang="en-US" altLang="ko-KR" dirty="0">
+                  <a:solidFill>
+                    <a:schemeClr val="tx1"/>
+                  </a:solidFill>
+                  <a:latin typeface="Consolas" panose="020B0609020204030204" pitchFamily="49" charset="0"/>
+                </a:rPr>
+                <a:t>, 25</a:t>
+              </a:r>
+              <a:endParaRPr lang="ko-KR" altLang="en-US" dirty="0">
+                <a:solidFill>
+                  <a:schemeClr val="tx1"/>
+                </a:solidFill>
+                <a:latin typeface="Consolas" panose="020B0609020204030204" pitchFamily="49" charset="0"/>
+              </a:endParaRPr>
+            </a:p>
+          </p:txBody>
+        </p:sp>
+        <p:sp>
+          <p:nvSpPr>
+            <p:cNvPr id="32" name="직사각형 31">
+              <a:extLst>
+                <a:ext uri="{FF2B5EF4-FFF2-40B4-BE49-F238E27FC236}">
+                  <a16:creationId xmlns:a16="http://schemas.microsoft.com/office/drawing/2014/main" id="{5B88AC4B-51E0-4D45-89FF-7492CFC1F7AC}"/>
+                </a:ext>
+              </a:extLst>
+            </p:cNvPr>
+            <p:cNvSpPr/>
+            <p:nvPr/>
+          </p:nvSpPr>
+          <p:spPr>
+            <a:xfrm>
+              <a:off x="7544874" y="2502297"/>
+              <a:ext cx="857927" cy="384721"/>
+            </a:xfrm>
+            <a:prstGeom prst="rect">
+              <a:avLst/>
+            </a:prstGeom>
+          </p:spPr>
+          <p:txBody>
+            <a:bodyPr wrap="none">
+              <a:spAutoFit/>
+            </a:bodyPr>
+            <a:lstStyle/>
+            <a:p>
+              <a:r>
+                <a:rPr lang="en-US" altLang="ko-KR" dirty="0" err="1">
+                  <a:latin typeface="Consolas" panose="020B0609020204030204" pitchFamily="49" charset="0"/>
+                  <a:cs typeface="Courier New" panose="02070309020205020404" pitchFamily="49" charset="0"/>
+                </a:rPr>
+                <a:t>ur</a:t>
+              </a:r>
+              <a:r>
+                <a:rPr lang="en-US" altLang="ko-KR" dirty="0">
+                  <a:latin typeface="Consolas" panose="020B0609020204030204" pitchFamily="49" charset="0"/>
+                  <a:cs typeface="Courier New" panose="02070309020205020404" pitchFamily="49" charset="0"/>
+                </a:rPr>
+                <a:t>/F5</a:t>
+              </a:r>
+              <a:endParaRPr lang="ko-KR" altLang="en-US" dirty="0">
+                <a:latin typeface="Consolas" panose="020B0609020204030204" pitchFamily="49" charset="0"/>
+              </a:endParaRPr>
+            </a:p>
+          </p:txBody>
+        </p:sp>
+      </p:grpSp>
+      <p:sp>
+        <p:nvSpPr>
+          <p:cNvPr id="33" name="직사각형 32">
+            <a:extLst>
+              <a:ext uri="{FF2B5EF4-FFF2-40B4-BE49-F238E27FC236}">
+                <a16:creationId xmlns:a16="http://schemas.microsoft.com/office/drawing/2014/main" id="{29711C57-92E6-4113-BCBB-EC520F37DE5D}"/>
+              </a:ext>
+            </a:extLst>
+          </p:cNvPr>
+          <p:cNvSpPr/>
+          <p:nvPr/>
+        </p:nvSpPr>
+        <p:spPr>
+          <a:xfrm>
+            <a:off x="9446534" y="5609084"/>
+            <a:ext cx="670999" cy="432047"/>
+          </a:xfrm>
+          <a:prstGeom prst="rect">
+            <a:avLst/>
+          </a:prstGeom>
+          <a:solidFill>
+            <a:schemeClr val="bg1">
+              <a:lumMod val="95000"/>
+            </a:schemeClr>
+          </a:solidFill>
+          <a:ln w="3175">
+            <a:solidFill>
+              <a:schemeClr val="tx1"/>
+            </a:solidFill>
+          </a:ln>
+        </p:spPr>
+        <p:style>
+          <a:lnRef idx="2">
+            <a:schemeClr val="accent1">
+              <a:shade val="50000"/>
+            </a:schemeClr>
+          </a:lnRef>
+          <a:fillRef idx="1">
+            <a:schemeClr val="accent1"/>
+          </a:fillRef>
+          <a:effectRef idx="0">
+            <a:schemeClr val="accent1"/>
+          </a:effectRef>
+          <a:fontRef idx="minor">
+            <a:schemeClr val="lt1"/>
+          </a:fontRef>
+        </p:style>
+        <p:txBody>
+          <a:bodyPr rtlCol="0" anchor="ctr"/>
+          <a:lstStyle/>
+          <a:p>
+            <a:pPr algn="ctr"/>
+            <a:r>
+              <a:rPr lang="en-US" altLang="ko-KR">
+                <a:solidFill>
+                  <a:schemeClr val="tx1"/>
+                </a:solidFill>
+                <a:latin typeface="Consolas" panose="020B0609020204030204" pitchFamily="49" charset="0"/>
+              </a:rPr>
+              <a:t>B3</a:t>
+            </a:r>
+            <a:endParaRPr lang="ko-KR" altLang="en-US" dirty="0">
+              <a:solidFill>
+                <a:schemeClr val="tx1"/>
+              </a:solidFill>
+              <a:latin typeface="Consolas" panose="020B0609020204030204" pitchFamily="49" charset="0"/>
+            </a:endParaRPr>
+          </a:p>
+        </p:txBody>
+      </p:sp>
+      <p:sp>
+        <p:nvSpPr>
+          <p:cNvPr id="34" name="직사각형 33">
+            <a:extLst>
+              <a:ext uri="{FF2B5EF4-FFF2-40B4-BE49-F238E27FC236}">
+                <a16:creationId xmlns:a16="http://schemas.microsoft.com/office/drawing/2014/main" id="{F9B55F67-45A7-484D-B801-4883801E82A8}"/>
+              </a:ext>
+            </a:extLst>
+          </p:cNvPr>
+          <p:cNvSpPr/>
+          <p:nvPr/>
+        </p:nvSpPr>
+        <p:spPr>
+          <a:xfrm>
+            <a:off x="9446534" y="5231734"/>
+            <a:ext cx="453970" cy="384721"/>
+          </a:xfrm>
+          <a:prstGeom prst="rect">
+            <a:avLst/>
+          </a:prstGeom>
+        </p:spPr>
+        <p:txBody>
+          <a:bodyPr wrap="none">
+            <a:spAutoFit/>
+          </a:bodyPr>
+          <a:lstStyle/>
+          <a:p>
+            <a:r>
+              <a:rPr lang="en-US" altLang="ko-KR" dirty="0">
+                <a:latin typeface="Consolas" panose="020B0609020204030204" pitchFamily="49" charset="0"/>
+                <a:cs typeface="Courier New" panose="02070309020205020404" pitchFamily="49" charset="0"/>
+              </a:rPr>
+              <a:t>my</a:t>
+            </a:r>
+            <a:endParaRPr lang="ko-KR" altLang="en-US" dirty="0">
+              <a:latin typeface="Consolas" panose="020B0609020204030204" pitchFamily="49" charset="0"/>
+            </a:endParaRPr>
+          </a:p>
+        </p:txBody>
+      </p:sp>
+      <p:grpSp>
+        <p:nvGrpSpPr>
+          <p:cNvPr id="35" name="그룹 34">
+            <a:extLst>
+              <a:ext uri="{FF2B5EF4-FFF2-40B4-BE49-F238E27FC236}">
+                <a16:creationId xmlns:a16="http://schemas.microsoft.com/office/drawing/2014/main" id="{38D2C16C-6ADB-49E5-A6CB-BA07C70CA5D3}"/>
+              </a:ext>
+            </a:extLst>
+          </p:cNvPr>
+          <p:cNvGrpSpPr/>
+          <p:nvPr/>
+        </p:nvGrpSpPr>
+        <p:grpSpPr>
+          <a:xfrm>
+            <a:off x="10834728" y="5231734"/>
+            <a:ext cx="1168852" cy="809397"/>
+            <a:chOff x="7600158" y="2494279"/>
+            <a:chExt cx="1168852" cy="809397"/>
+          </a:xfrm>
+        </p:grpSpPr>
+        <p:sp>
+          <p:nvSpPr>
+            <p:cNvPr id="36" name="직사각형 35">
+              <a:extLst>
+                <a:ext uri="{FF2B5EF4-FFF2-40B4-BE49-F238E27FC236}">
+                  <a16:creationId xmlns:a16="http://schemas.microsoft.com/office/drawing/2014/main" id="{B32C8333-A5EA-4FDB-BE6F-225C465731CE}"/>
+                </a:ext>
+              </a:extLst>
+            </p:cNvPr>
+            <p:cNvSpPr/>
+            <p:nvPr/>
+          </p:nvSpPr>
+          <p:spPr>
+            <a:xfrm>
+              <a:off x="7600158" y="2871629"/>
+              <a:ext cx="1168852" cy="432047"/>
+            </a:xfrm>
+            <a:prstGeom prst="rect">
+              <a:avLst/>
+            </a:prstGeom>
+            <a:noFill/>
+            <a:ln w="3175">
+              <a:solidFill>
+                <a:schemeClr val="tx1"/>
+              </a:solidFill>
+            </a:ln>
+          </p:spPr>
+          <p:style>
+            <a:lnRef idx="2">
+              <a:schemeClr val="accent1">
+                <a:shade val="50000"/>
+              </a:schemeClr>
+            </a:lnRef>
+            <a:fillRef idx="1">
+              <a:schemeClr val="accent1"/>
+            </a:fillRef>
+            <a:effectRef idx="0">
+              <a:schemeClr val="accent1"/>
+            </a:effectRef>
+            <a:fontRef idx="minor">
+              <a:schemeClr val="lt1"/>
+            </a:fontRef>
+          </p:style>
+          <p:txBody>
+            <a:bodyPr rtlCol="0" anchor="ctr"/>
+            <a:lstStyle/>
+            <a:p>
+              <a:pPr algn="ctr"/>
+              <a:r>
+                <a:rPr lang="en-US" altLang="ko-KR" dirty="0">
+                  <a:solidFill>
+                    <a:schemeClr val="tx1"/>
+                  </a:solidFill>
+                  <a:latin typeface="Consolas" panose="020B0609020204030204" pitchFamily="49" charset="0"/>
+                </a:rPr>
+                <a:t>sky, 20</a:t>
+              </a:r>
+              <a:endParaRPr lang="ko-KR" altLang="en-US" dirty="0">
+                <a:solidFill>
+                  <a:schemeClr val="tx1"/>
+                </a:solidFill>
+                <a:latin typeface="Consolas" panose="020B0609020204030204" pitchFamily="49" charset="0"/>
+              </a:endParaRPr>
+            </a:p>
+          </p:txBody>
+        </p:sp>
+        <p:sp>
+          <p:nvSpPr>
+            <p:cNvPr id="37" name="직사각형 36">
+              <a:extLst>
+                <a:ext uri="{FF2B5EF4-FFF2-40B4-BE49-F238E27FC236}">
+                  <a16:creationId xmlns:a16="http://schemas.microsoft.com/office/drawing/2014/main" id="{310A7C5E-3FD3-4E51-A3C1-F64B0B1D14CE}"/>
+                </a:ext>
+              </a:extLst>
+            </p:cNvPr>
+            <p:cNvSpPr/>
+            <p:nvPr/>
+          </p:nvSpPr>
+          <p:spPr>
+            <a:xfrm>
+              <a:off x="7600158" y="2494279"/>
+              <a:ext cx="453970" cy="384721"/>
+            </a:xfrm>
+            <a:prstGeom prst="rect">
+              <a:avLst/>
+            </a:prstGeom>
+          </p:spPr>
+          <p:txBody>
+            <a:bodyPr wrap="none">
+              <a:spAutoFit/>
+            </a:bodyPr>
+            <a:lstStyle/>
+            <a:p>
+              <a:r>
+                <a:rPr lang="en-US" altLang="ko-KR" dirty="0">
+                  <a:latin typeface="Consolas" panose="020B0609020204030204" pitchFamily="49" charset="0"/>
+                  <a:cs typeface="Courier New" panose="02070309020205020404" pitchFamily="49" charset="0"/>
+                </a:rPr>
+                <a:t>B3</a:t>
+              </a:r>
+              <a:endParaRPr lang="ko-KR" altLang="en-US" dirty="0">
+                <a:latin typeface="Consolas" panose="020B0609020204030204" pitchFamily="49" charset="0"/>
+              </a:endParaRPr>
+            </a:p>
+          </p:txBody>
+        </p:sp>
+      </p:grpSp>
+      <p:cxnSp>
+        <p:nvCxnSpPr>
+          <p:cNvPr id="38" name="직선 화살표 연결선 37">
+            <a:extLst>
+              <a:ext uri="{FF2B5EF4-FFF2-40B4-BE49-F238E27FC236}">
+                <a16:creationId xmlns:a16="http://schemas.microsoft.com/office/drawing/2014/main" id="{E9C1C915-583A-4673-8506-C6D030C898F2}"/>
+              </a:ext>
+            </a:extLst>
+          </p:cNvPr>
+          <p:cNvCxnSpPr>
+            <a:stCxn id="33" idx="3"/>
+            <a:endCxn id="36" idx="1"/>
+          </p:cNvCxnSpPr>
+          <p:nvPr/>
+        </p:nvCxnSpPr>
+        <p:spPr>
+          <a:xfrm>
+            <a:off x="10117533" y="5825108"/>
+            <a:ext cx="717195" cy="0"/>
+          </a:xfrm>
+          <a:prstGeom prst="straightConnector1">
+            <a:avLst/>
+          </a:prstGeom>
+          <a:ln>
+            <a:tailEnd type="triangle"/>
+          </a:ln>
+        </p:spPr>
+        <p:style>
+          <a:lnRef idx="1">
+            <a:schemeClr val="accent1"/>
+          </a:lnRef>
+          <a:fillRef idx="0">
+            <a:schemeClr val="accent1"/>
+          </a:fillRef>
+          <a:effectRef idx="0">
+            <a:schemeClr val="accent1"/>
+          </a:effectRef>
+          <a:fontRef idx="minor">
+            <a:schemeClr val="tx1"/>
+          </a:fontRef>
+        </p:style>
+      </p:cxnSp>
+      <p:cxnSp>
+        <p:nvCxnSpPr>
+          <p:cNvPr id="40" name="직선 연결선 39">
+            <a:extLst>
+              <a:ext uri="{FF2B5EF4-FFF2-40B4-BE49-F238E27FC236}">
+                <a16:creationId xmlns:a16="http://schemas.microsoft.com/office/drawing/2014/main" id="{EC49FD28-9C61-46B0-A4FE-E3CE6C9613EE}"/>
+              </a:ext>
+            </a:extLst>
+          </p:cNvPr>
+          <p:cNvCxnSpPr/>
+          <p:nvPr/>
+        </p:nvCxnSpPr>
+        <p:spPr>
+          <a:xfrm>
+            <a:off x="8953858" y="6973411"/>
+            <a:ext cx="3514090" cy="0"/>
+          </a:xfrm>
+          <a:prstGeom prst="line">
+            <a:avLst/>
+          </a:prstGeom>
+        </p:spPr>
+        <p:style>
+          <a:lnRef idx="3">
+            <a:schemeClr val="accent5"/>
+          </a:lnRef>
+          <a:fillRef idx="0">
+            <a:schemeClr val="accent5"/>
+          </a:fillRef>
+          <a:effectRef idx="2">
+            <a:schemeClr val="accent5"/>
+          </a:effectRef>
+          <a:fontRef idx="minor">
+            <a:schemeClr val="tx1"/>
+          </a:fontRef>
+        </p:style>
+      </p:cxnSp>
+      <p:cxnSp>
+        <p:nvCxnSpPr>
+          <p:cNvPr id="41" name="직선 연결선 40">
+            <a:extLst>
+              <a:ext uri="{FF2B5EF4-FFF2-40B4-BE49-F238E27FC236}">
+                <a16:creationId xmlns:a16="http://schemas.microsoft.com/office/drawing/2014/main" id="{6CF1EEF5-30C7-4A2B-9101-01FB3A6898BF}"/>
+              </a:ext>
+            </a:extLst>
+          </p:cNvPr>
+          <p:cNvCxnSpPr/>
+          <p:nvPr/>
+        </p:nvCxnSpPr>
+        <p:spPr>
+          <a:xfrm>
+            <a:off x="828675" y="4727610"/>
+            <a:ext cx="3514090" cy="0"/>
+          </a:xfrm>
+          <a:prstGeom prst="line">
+            <a:avLst/>
+          </a:prstGeom>
+        </p:spPr>
+        <p:style>
+          <a:lnRef idx="3">
+            <a:schemeClr val="accent1"/>
+          </a:lnRef>
+          <a:fillRef idx="0">
+            <a:schemeClr val="accent1"/>
+          </a:fillRef>
+          <a:effectRef idx="2">
+            <a:schemeClr val="accent1"/>
+          </a:effectRef>
+          <a:fontRef idx="minor">
+            <a:schemeClr val="tx1"/>
+          </a:fontRef>
+        </p:style>
+      </p:cxnSp>
+      <p:cxnSp>
+        <p:nvCxnSpPr>
+          <p:cNvPr id="42" name="직선 연결선 41">
+            <a:extLst>
+              <a:ext uri="{FF2B5EF4-FFF2-40B4-BE49-F238E27FC236}">
+                <a16:creationId xmlns:a16="http://schemas.microsoft.com/office/drawing/2014/main" id="{8A706C5D-F2A3-4A1C-8655-A7AEAFA055AA}"/>
+              </a:ext>
+            </a:extLst>
+          </p:cNvPr>
+          <p:cNvCxnSpPr/>
+          <p:nvPr/>
+        </p:nvCxnSpPr>
+        <p:spPr>
+          <a:xfrm>
+            <a:off x="828675" y="5060284"/>
+            <a:ext cx="3514090" cy="0"/>
+          </a:xfrm>
+          <a:prstGeom prst="line">
+            <a:avLst/>
+          </a:prstGeom>
+        </p:spPr>
+        <p:style>
+          <a:lnRef idx="3">
+            <a:schemeClr val="accent4"/>
+          </a:lnRef>
+          <a:fillRef idx="0">
+            <a:schemeClr val="accent4"/>
+          </a:fillRef>
+          <a:effectRef idx="2">
+            <a:schemeClr val="accent4"/>
+          </a:effectRef>
+          <a:fontRef idx="minor">
+            <a:schemeClr val="tx1"/>
+          </a:fontRef>
+        </p:style>
+      </p:cxnSp>
+      <p:cxnSp>
+        <p:nvCxnSpPr>
+          <p:cNvPr id="43" name="직선 연결선 42">
+            <a:extLst>
+              <a:ext uri="{FF2B5EF4-FFF2-40B4-BE49-F238E27FC236}">
+                <a16:creationId xmlns:a16="http://schemas.microsoft.com/office/drawing/2014/main" id="{981CE48D-0D1F-41A2-9CA3-62E081D031AF}"/>
+              </a:ext>
+            </a:extLst>
+          </p:cNvPr>
+          <p:cNvCxnSpPr/>
+          <p:nvPr/>
+        </p:nvCxnSpPr>
+        <p:spPr>
+          <a:xfrm>
+            <a:off x="828675" y="5692121"/>
+            <a:ext cx="3514090" cy="0"/>
+          </a:xfrm>
+          <a:prstGeom prst="line">
+            <a:avLst/>
+          </a:prstGeom>
+        </p:spPr>
+        <p:style>
+          <a:lnRef idx="3">
+            <a:schemeClr val="accent5"/>
+          </a:lnRef>
+          <a:fillRef idx="0">
+            <a:schemeClr val="accent5"/>
+          </a:fillRef>
+          <a:effectRef idx="2">
+            <a:schemeClr val="accent5"/>
+          </a:effectRef>
+          <a:fontRef idx="minor">
+            <a:schemeClr val="tx1"/>
+          </a:fontRef>
+        </p:style>
+      </p:cxnSp>
     </p:spTree>
     <p:extLst>
       <p:ext uri="{BB962C8B-B14F-4D97-AF65-F5344CB8AC3E}">
@@ -4581,13 +5623,6 @@
   <p:clrMapOvr>
     <a:masterClrMapping/>
   </p:clrMapOvr>
-  <p:timing>
-    <p:tnLst>
-      <p:par>
-        <p:cTn id="1" dur="indefinite" restart="never" nodeType="tmRoot"/>
-      </p:par>
-    </p:tnLst>
-  </p:timing>
 </p:sld>
 </file>
 
